--- a/UK Train Rides/UK project.pptx
+++ b/UK Train Rides/UK project.pptx
@@ -10,11 +10,12 @@
     <p:sldId id="261" r:id="rId4"/>
     <p:sldId id="264" r:id="rId5"/>
     <p:sldId id="258" r:id="rId6"/>
-    <p:sldId id="259" r:id="rId7"/>
-    <p:sldId id="260" r:id="rId8"/>
-    <p:sldId id="262" r:id="rId9"/>
-    <p:sldId id="263" r:id="rId10"/>
-    <p:sldId id="265" r:id="rId11"/>
+    <p:sldId id="266" r:id="rId7"/>
+    <p:sldId id="259" r:id="rId8"/>
+    <p:sldId id="260" r:id="rId9"/>
+    <p:sldId id="262" r:id="rId10"/>
+    <p:sldId id="263" r:id="rId11"/>
+    <p:sldId id="265" r:id="rId12"/>
   </p:sldIdLst>
   <p:sldSz cx="12192000" cy="6858000"/>
   <p:notesSz cx="6858000" cy="9144000"/>
@@ -452,7 +453,7 @@
           <a:p>
             <a:fld id="{54AE9205-86C9-4540-AA5D-23C12393E5EB}" type="datetimeFigureOut">
               <a:rPr lang="en-US" smtClean="0"/>
-              <a:t>2/28/2025</a:t>
+              <a:t>3/12/2025</a:t>
             </a:fld>
             <a:endParaRPr lang="en-US"/>
           </a:p>
@@ -776,7 +777,7 @@
           <a:p>
             <a:fld id="{54AE9205-86C9-4540-AA5D-23C12393E5EB}" type="datetimeFigureOut">
               <a:rPr lang="en-US" smtClean="0"/>
-              <a:t>2/28/2025</a:t>
+              <a:t>3/12/2025</a:t>
             </a:fld>
             <a:endParaRPr lang="en-US"/>
           </a:p>
@@ -1024,7 +1025,7 @@
           <a:p>
             <a:fld id="{54AE9205-86C9-4540-AA5D-23C12393E5EB}" type="datetimeFigureOut">
               <a:rPr lang="en-US" smtClean="0"/>
-              <a:t>2/28/2025</a:t>
+              <a:t>3/12/2025</a:t>
             </a:fld>
             <a:endParaRPr lang="en-US"/>
           </a:p>
@@ -1363,7 +1364,7 @@
           <a:p>
             <a:fld id="{54AE9205-86C9-4540-AA5D-23C12393E5EB}" type="datetimeFigureOut">
               <a:rPr lang="en-US" smtClean="0"/>
-              <a:t>2/28/2025</a:t>
+              <a:t>3/12/2025</a:t>
             </a:fld>
             <a:endParaRPr lang="en-US"/>
           </a:p>
@@ -1710,7 +1711,7 @@
           <a:p>
             <a:fld id="{54AE9205-86C9-4540-AA5D-23C12393E5EB}" type="datetimeFigureOut">
               <a:rPr lang="en-US" smtClean="0"/>
-              <a:t>2/28/2025</a:t>
+              <a:t>3/12/2025</a:t>
             </a:fld>
             <a:endParaRPr lang="en-US"/>
           </a:p>
@@ -2084,7 +2085,7 @@
           <a:p>
             <a:fld id="{54AE9205-86C9-4540-AA5D-23C12393E5EB}" type="datetimeFigureOut">
               <a:rPr lang="en-US" smtClean="0"/>
-              <a:t>2/28/2025</a:t>
+              <a:t>3/12/2025</a:t>
             </a:fld>
             <a:endParaRPr lang="en-US"/>
           </a:p>
@@ -2554,7 +2555,7 @@
           <a:p>
             <a:fld id="{54AE9205-86C9-4540-AA5D-23C12393E5EB}" type="datetimeFigureOut">
               <a:rPr lang="en-US" smtClean="0"/>
-              <a:t>2/28/2025</a:t>
+              <a:t>3/12/2025</a:t>
             </a:fld>
             <a:endParaRPr lang="en-US"/>
           </a:p>
@@ -2759,7 +2760,7 @@
           <a:p>
             <a:fld id="{54AE9205-86C9-4540-AA5D-23C12393E5EB}" type="datetimeFigureOut">
               <a:rPr lang="en-US" smtClean="0"/>
-              <a:t>2/28/2025</a:t>
+              <a:t>3/12/2025</a:t>
             </a:fld>
             <a:endParaRPr lang="en-US"/>
           </a:p>
@@ -2970,7 +2971,7 @@
           <a:p>
             <a:fld id="{54AE9205-86C9-4540-AA5D-23C12393E5EB}" type="datetimeFigureOut">
               <a:rPr lang="en-US" smtClean="0"/>
-              <a:t>2/28/2025</a:t>
+              <a:t>3/12/2025</a:t>
             </a:fld>
             <a:endParaRPr lang="en-US"/>
           </a:p>
@@ -3202,7 +3203,7 @@
           <a:p>
             <a:fld id="{54AE9205-86C9-4540-AA5D-23C12393E5EB}" type="datetimeFigureOut">
               <a:rPr lang="en-US" smtClean="0"/>
-              <a:t>2/28/2025</a:t>
+              <a:t>3/12/2025</a:t>
             </a:fld>
             <a:endParaRPr lang="en-US"/>
           </a:p>
@@ -3450,7 +3451,7 @@
           <a:p>
             <a:fld id="{54AE9205-86C9-4540-AA5D-23C12393E5EB}" type="datetimeFigureOut">
               <a:rPr lang="en-US" smtClean="0"/>
-              <a:t>2/28/2025</a:t>
+              <a:t>3/12/2025</a:t>
             </a:fld>
             <a:endParaRPr lang="en-US"/>
           </a:p>
@@ -3748,7 +3749,7 @@
           <a:p>
             <a:fld id="{54AE9205-86C9-4540-AA5D-23C12393E5EB}" type="datetimeFigureOut">
               <a:rPr lang="en-US" smtClean="0"/>
-              <a:t>2/28/2025</a:t>
+              <a:t>3/12/2025</a:t>
             </a:fld>
             <a:endParaRPr lang="en-US"/>
           </a:p>
@@ -4142,7 +4143,7 @@
           <a:p>
             <a:fld id="{54AE9205-86C9-4540-AA5D-23C12393E5EB}" type="datetimeFigureOut">
               <a:rPr lang="en-US" smtClean="0"/>
-              <a:t>2/28/2025</a:t>
+              <a:t>3/12/2025</a:t>
             </a:fld>
             <a:endParaRPr lang="en-US"/>
           </a:p>
@@ -4291,7 +4292,7 @@
           <a:p>
             <a:fld id="{54AE9205-86C9-4540-AA5D-23C12393E5EB}" type="datetimeFigureOut">
               <a:rPr lang="en-US" smtClean="0"/>
-              <a:t>2/28/2025</a:t>
+              <a:t>3/12/2025</a:t>
             </a:fld>
             <a:endParaRPr lang="en-US"/>
           </a:p>
@@ -4417,7 +4418,7 @@
           <a:p>
             <a:fld id="{54AE9205-86C9-4540-AA5D-23C12393E5EB}" type="datetimeFigureOut">
               <a:rPr lang="en-US" smtClean="0"/>
-              <a:t>2/28/2025</a:t>
+              <a:t>3/12/2025</a:t>
             </a:fld>
             <a:endParaRPr lang="en-US"/>
           </a:p>
@@ -4672,7 +4673,7 @@
           <a:p>
             <a:fld id="{54AE9205-86C9-4540-AA5D-23C12393E5EB}" type="datetimeFigureOut">
               <a:rPr lang="en-US" smtClean="0"/>
-              <a:t>2/28/2025</a:t>
+              <a:t>3/12/2025</a:t>
             </a:fld>
             <a:endParaRPr lang="en-US"/>
           </a:p>
@@ -4987,7 +4988,7 @@
           <a:p>
             <a:fld id="{54AE9205-86C9-4540-AA5D-23C12393E5EB}" type="datetimeFigureOut">
               <a:rPr lang="en-US" smtClean="0"/>
-              <a:t>2/28/2025</a:t>
+              <a:t>3/12/2025</a:t>
             </a:fld>
             <a:endParaRPr lang="en-US"/>
           </a:p>
@@ -5338,7 +5339,7 @@
           <a:p>
             <a:fld id="{54AE9205-86C9-4540-AA5D-23C12393E5EB}" type="datetimeFigureOut">
               <a:rPr lang="en-US" smtClean="0"/>
-              <a:t>2/28/2025</a:t>
+              <a:t>3/12/2025</a:t>
             </a:fld>
             <a:endParaRPr lang="en-US"/>
           </a:p>
@@ -5972,6 +5973,89 @@
       </p:grpSpPr>
       <p:sp>
         <p:nvSpPr>
+          <p:cNvPr id="2" name="Title 1">
+            <a:extLst>
+              <a:ext uri="{FF2B5EF4-FFF2-40B4-BE49-F238E27FC236}">
+                <a16:creationId xmlns:a16="http://schemas.microsoft.com/office/drawing/2014/main" id="{162DF8C7-2FA7-0796-77ED-904C2BA37A32}"/>
+              </a:ext>
+            </a:extLst>
+          </p:cNvPr>
+          <p:cNvSpPr>
+            <a:spLocks noGrp="1"/>
+          </p:cNvSpPr>
+          <p:nvPr>
+            <p:ph type="title"/>
+          </p:nvPr>
+        </p:nvSpPr>
+        <p:spPr/>
+        <p:txBody>
+          <a:bodyPr/>
+          <a:lstStyle/>
+          <a:p>
+            <a:r>
+              <a:rPr lang="en-US" dirty="0"/>
+              <a:t>Recommendations </a:t>
+            </a:r>
+          </a:p>
+        </p:txBody>
+      </p:sp>
+      <p:sp>
+        <p:nvSpPr>
+          <p:cNvPr id="3" name="Content Placeholder 2">
+            <a:extLst>
+              <a:ext uri="{FF2B5EF4-FFF2-40B4-BE49-F238E27FC236}">
+                <a16:creationId xmlns:a16="http://schemas.microsoft.com/office/drawing/2014/main" id="{F0E5F41A-AF39-2DDE-1726-AECFEB9A59CB}"/>
+              </a:ext>
+            </a:extLst>
+          </p:cNvPr>
+          <p:cNvSpPr>
+            <a:spLocks noGrp="1"/>
+          </p:cNvSpPr>
+          <p:nvPr>
+            <p:ph idx="1"/>
+          </p:nvPr>
+        </p:nvSpPr>
+        <p:spPr/>
+        <p:txBody>
+          <a:bodyPr/>
+          <a:lstStyle/>
+          <a:p>
+            <a:endParaRPr lang="en-US"/>
+          </a:p>
+        </p:txBody>
+      </p:sp>
+    </p:spTree>
+    <p:extLst>
+      <p:ext uri="{BB962C8B-B14F-4D97-AF65-F5344CB8AC3E}">
+        <p14:creationId xmlns:p14="http://schemas.microsoft.com/office/powerpoint/2010/main" val="4054127594"/>
+      </p:ext>
+    </p:extLst>
+  </p:cSld>
+  <p:clrMapOvr>
+    <a:masterClrMapping/>
+  </p:clrMapOvr>
+</p:sld>
+</file>
+
+<file path=ppt/slides/slide11.xml><?xml version="1.0" encoding="utf-8"?>
+<p:sld xmlns:a="http://schemas.openxmlformats.org/drawingml/2006/main" xmlns:r="http://schemas.openxmlformats.org/officeDocument/2006/relationships" xmlns:p="http://schemas.openxmlformats.org/presentationml/2006/main">
+  <p:cSld>
+    <p:spTree>
+      <p:nvGrpSpPr>
+        <p:cNvPr id="1" name=""/>
+        <p:cNvGrpSpPr/>
+        <p:nvPr/>
+      </p:nvGrpSpPr>
+      <p:grpSpPr>
+        <a:xfrm>
+          <a:off x="0" y="0"/>
+          <a:ext cx="0" cy="0"/>
+          <a:chOff x="0" y="0"/>
+          <a:chExt cx="0" cy="0"/>
+        </a:xfrm>
+      </p:grpSpPr>
+      <p:sp>
+        <p:nvSpPr>
           <p:cNvPr id="6" name="Scroll: Horizontal 5">
             <a:extLst>
               <a:ext uri="{FF2B5EF4-FFF2-40B4-BE49-F238E27FC236}">
@@ -6098,14 +6182,14 @@
             <p:ph idx="1"/>
             <p:extLst>
               <p:ext uri="{D42A27DB-BD31-4B8C-83A1-F6EECF244321}">
-                <p14:modId xmlns:p14="http://schemas.microsoft.com/office/powerpoint/2010/main" val="2636987917"/>
+                <p14:modId xmlns:p14="http://schemas.microsoft.com/office/powerpoint/2010/main" val="3103263106"/>
               </p:ext>
             </p:extLst>
           </p:nvPr>
         </p:nvGraphicFramePr>
         <p:xfrm>
           <a:off x="792480" y="1825624"/>
-          <a:ext cx="10561317" cy="3904614"/>
+          <a:ext cx="10561317" cy="3346812"/>
         </p:xfrm>
         <a:graphic>
           <a:graphicData uri="http://schemas.openxmlformats.org/drawingml/2006/table">
@@ -6114,21 +6198,21 @@
                 <a:tableStyleId>{93296810-A885-4BE3-A3E7-6D5BEEA58F35}</a:tableStyleId>
               </a:tblPr>
               <a:tblGrid>
-                <a:gridCol w="3520439">
+                <a:gridCol w="1648968">
                   <a:extLst>
                     <a:ext uri="{9D8B030D-6E8A-4147-A177-3AD203B41FA5}">
                       <a16:colId xmlns:a16="http://schemas.microsoft.com/office/drawing/2014/main" val="3590952630"/>
                     </a:ext>
                   </a:extLst>
                 </a:gridCol>
-                <a:gridCol w="3520439">
+                <a:gridCol w="4965192">
                   <a:extLst>
                     <a:ext uri="{9D8B030D-6E8A-4147-A177-3AD203B41FA5}">
                       <a16:colId xmlns:a16="http://schemas.microsoft.com/office/drawing/2014/main" val="2324207626"/>
                     </a:ext>
                   </a:extLst>
                 </a:gridCol>
-                <a:gridCol w="3520439">
+                <a:gridCol w="3947157">
                   <a:extLst>
                     <a:ext uri="{9D8B030D-6E8A-4147-A177-3AD203B41FA5}">
                       <a16:colId xmlns:a16="http://schemas.microsoft.com/office/drawing/2014/main" val="705614320"/>
@@ -6203,31 +6287,7 @@
                     <a:p>
                       <a:r>
                         <a:rPr lang="en-US" b="1" dirty="0"/>
-                        <a:t>Ahmed </a:t>
-                      </a:r>
-                      <a:r>
-                        <a:rPr lang="en-US" b="1" dirty="0" err="1"/>
-                        <a:t>shabaan</a:t>
-                      </a:r>
-                      <a:r>
-                        <a:rPr lang="en-US" b="1" dirty="0"/>
-                        <a:t> </a:t>
-                      </a:r>
-                      <a:r>
-                        <a:rPr lang="en-US" b="1" dirty="0" err="1"/>
-                        <a:t>saad</a:t>
-                      </a:r>
-                      <a:r>
-                        <a:rPr lang="en-US" b="1" dirty="0"/>
-                        <a:t> </a:t>
-                      </a:r>
-                      <a:r>
-                        <a:rPr lang="en-US" b="1" dirty="0" err="1"/>
-                        <a:t>rashwaan</a:t>
-                      </a:r>
-                      <a:r>
-                        <a:rPr lang="en-US" b="1" dirty="0"/>
-                        <a:t> </a:t>
+                        <a:t>Ahmed Shabaan Saad Rashwan </a:t>
                       </a:r>
                     </a:p>
                   </a:txBody>
@@ -6238,7 +6298,10 @@
                     <a:bodyPr/>
                     <a:lstStyle/>
                     <a:p>
-                      <a:endParaRPr lang="en-US" b="1" dirty="0"/>
+                      <a:r>
+                        <a:rPr lang="en-US" b="1" dirty="0"/>
+                        <a:t>ahmedshabaansaad@gmail.com</a:t>
+                      </a:r>
                     </a:p>
                   </a:txBody>
                   <a:tcPr/>
@@ -6270,7 +6333,7 @@
                     <a:p>
                       <a:r>
                         <a:rPr lang="en-US" b="1" dirty="0"/>
-                        <a:t>Aya Abdallah hamada </a:t>
+                        <a:t>Aya Abdallah Hamada </a:t>
                       </a:r>
                     </a:p>
                   </a:txBody>
@@ -6281,7 +6344,10 @@
                     <a:bodyPr/>
                     <a:lstStyle/>
                     <a:p>
-                      <a:endParaRPr lang="en-US" b="1" dirty="0"/>
+                      <a:r>
+                        <a:rPr lang="en-US" b="1" dirty="0"/>
+                        <a:t>ayaabdalla22@gmail.com</a:t>
+                      </a:r>
                     </a:p>
                   </a:txBody>
                   <a:tcPr/>
@@ -6313,13 +6379,8 @@
                     <a:p>
                       <a:r>
                         <a:rPr lang="en-US" b="1" dirty="0"/>
-                        <a:t>Hazem Mohamed </a:t>
+                        <a:t>Hazem Mohamed Mahmoud</a:t>
                       </a:r>
-                      <a:r>
-                        <a:rPr lang="en-US" b="1" dirty="0" err="1"/>
-                        <a:t>mahmoud</a:t>
-                      </a:r>
-                      <a:endParaRPr lang="en-US" b="1" dirty="0"/>
                     </a:p>
                   </a:txBody>
                   <a:tcPr/>
@@ -6329,7 +6390,10 @@
                     <a:bodyPr/>
                     <a:lstStyle/>
                     <a:p>
-                      <a:endParaRPr lang="en-US" b="1" dirty="0"/>
+                      <a:r>
+                        <a:rPr lang="en-US" b="1" dirty="0"/>
+                        <a:t>hazem.mohamed.a@gmail.com</a:t>
+                      </a:r>
                     </a:p>
                   </a:txBody>
                   <a:tcPr/>
@@ -6372,7 +6436,10 @@
                     <a:bodyPr/>
                     <a:lstStyle/>
                     <a:p>
-                      <a:endParaRPr lang="en-US" b="1"/>
+                      <a:r>
+                        <a:rPr lang="en-US" b="1" dirty="0"/>
+                        <a:t>hossammahmoudmira@gmail.com</a:t>
+                      </a:r>
                     </a:p>
                   </a:txBody>
                   <a:tcPr/>
@@ -6380,62 +6447,6 @@
                 <a:extLst>
                   <a:ext uri="{0D108BD9-81ED-4DB2-BD59-A6C34878D82A}">
                     <a16:rowId xmlns:a16="http://schemas.microsoft.com/office/drawing/2014/main" val="548450088"/>
-                  </a:ext>
-                </a:extLst>
-              </a:tr>
-              <a:tr h="557802">
-                <a:tc>
-                  <a:txBody>
-                    <a:bodyPr/>
-                    <a:lstStyle/>
-                    <a:p>
-                      <a:r>
-                        <a:rPr lang="en-US" b="1" dirty="0"/>
-                        <a:t>21065631</a:t>
-                      </a:r>
-                    </a:p>
-                  </a:txBody>
-                  <a:tcPr/>
-                </a:tc>
-                <a:tc>
-                  <a:txBody>
-                    <a:bodyPr/>
-                    <a:lstStyle/>
-                    <a:p>
-                      <a:r>
-                        <a:rPr lang="en-US" b="1" dirty="0"/>
-                        <a:t>Rewan </a:t>
-                      </a:r>
-                      <a:r>
-                        <a:rPr lang="en-US" b="1" dirty="0" err="1"/>
-                        <a:t>wageeh</a:t>
-                      </a:r>
-                      <a:r>
-                        <a:rPr lang="en-US" b="1" dirty="0"/>
-                        <a:t> </a:t>
-                      </a:r>
-                      <a:r>
-                        <a:rPr lang="en-US" b="1" dirty="0" err="1"/>
-                        <a:t>mohamed</a:t>
-                      </a:r>
-                      <a:endParaRPr lang="en-US" b="1" dirty="0"/>
-                    </a:p>
-                  </a:txBody>
-                  <a:tcPr/>
-                </a:tc>
-                <a:tc>
-                  <a:txBody>
-                    <a:bodyPr/>
-                    <a:lstStyle/>
-                    <a:p>
-                      <a:endParaRPr lang="en-US" b="1" dirty="0"/>
-                    </a:p>
-                  </a:txBody>
-                  <a:tcPr/>
-                </a:tc>
-                <a:extLst>
-                  <a:ext uri="{0D108BD9-81ED-4DB2-BD59-A6C34878D82A}">
-                    <a16:rowId xmlns:a16="http://schemas.microsoft.com/office/drawing/2014/main" val="469082751"/>
                   </a:ext>
                 </a:extLst>
               </a:tr>
@@ -6460,21 +6471,8 @@
                     <a:p>
                       <a:r>
                         <a:rPr lang="en-US" b="1" dirty="0"/>
-                        <a:t>Mustafa </a:t>
+                        <a:t>Mustafa Gamal Mohamed</a:t>
                       </a:r>
-                      <a:r>
-                        <a:rPr lang="en-US" b="1" dirty="0" err="1"/>
-                        <a:t>gamal</a:t>
-                      </a:r>
-                      <a:r>
-                        <a:rPr lang="en-US" b="1" dirty="0"/>
-                        <a:t> </a:t>
-                      </a:r>
-                      <a:r>
-                        <a:rPr lang="en-US" b="1" dirty="0" err="1"/>
-                        <a:t>mohamed</a:t>
-                      </a:r>
-                      <a:endParaRPr lang="en-US" b="1" dirty="0"/>
                     </a:p>
                   </a:txBody>
                   <a:tcPr/>
@@ -6484,14 +6482,17 @@
                     <a:bodyPr/>
                     <a:lstStyle/>
                     <a:p>
-                      <a:endParaRPr lang="en-US" b="1" dirty="0"/>
+                      <a:r>
+                        <a:rPr lang="en-US" b="1" dirty="0"/>
+                        <a:t>mostafagamal9591@gmail.com</a:t>
+                      </a:r>
                     </a:p>
                   </a:txBody>
                   <a:tcPr/>
                 </a:tc>
                 <a:extLst>
                   <a:ext uri="{0D108BD9-81ED-4DB2-BD59-A6C34878D82A}">
-                    <a16:rowId xmlns:a16="http://schemas.microsoft.com/office/drawing/2014/main" val="3503530243"/>
+                    <a16:rowId xmlns:a16="http://schemas.microsoft.com/office/drawing/2014/main" val="469082751"/>
                   </a:ext>
                 </a:extLst>
               </a:tr>
@@ -6974,7 +6975,13 @@
   <p:cSld>
     <p:spTree>
       <p:nvGrpSpPr>
-        <p:cNvPr id="1" name=""/>
+        <p:cNvPr id="1" name="">
+          <a:extLst>
+            <a:ext uri="{FF2B5EF4-FFF2-40B4-BE49-F238E27FC236}">
+              <a16:creationId xmlns:a16="http://schemas.microsoft.com/office/drawing/2014/main" id="{9B7A3771-2085-2AFB-344B-BBBCAA63A388}"/>
+            </a:ext>
+          </a:extLst>
+        </p:cNvPr>
         <p:cNvGrpSpPr/>
         <p:nvPr/>
       </p:nvGrpSpPr>
@@ -6991,7 +6998,7 @@
           <p:cNvPr id="2" name="Title 1">
             <a:extLst>
               <a:ext uri="{FF2B5EF4-FFF2-40B4-BE49-F238E27FC236}">
-                <a16:creationId xmlns:a16="http://schemas.microsoft.com/office/drawing/2014/main" id="{A14FA357-9A8D-EB97-DE81-875DE6E354F1}"/>
+                <a16:creationId xmlns:a16="http://schemas.microsoft.com/office/drawing/2014/main" id="{4E6672B5-D62C-B621-2D8F-3889AEE5C635}"/>
               </a:ext>
             </a:extLst>
           </p:cNvPr>
@@ -7009,117 +7016,77 @@
           <a:p>
             <a:r>
               <a:rPr lang="en-US" dirty="0"/>
-              <a:t>Tools </a:t>
-            </a:r>
-            <a:r>
-              <a:rPr lang="ar-EG" dirty="0"/>
-              <a:t> </a:t>
-            </a:r>
-            <a:r>
-              <a:rPr lang="en-US" dirty="0"/>
-              <a:t>used for analysis </a:t>
-            </a:r>
-          </a:p>
-        </p:txBody>
-      </p:sp>
-      <p:sp>
-        <p:nvSpPr>
-          <p:cNvPr id="3" name="Content Placeholder 2">
-            <a:extLst>
-              <a:ext uri="{FF2B5EF4-FFF2-40B4-BE49-F238E27FC236}">
-                <a16:creationId xmlns:a16="http://schemas.microsoft.com/office/drawing/2014/main" id="{6D41FDEC-050F-9044-F58D-292E42885592}"/>
-              </a:ext>
-            </a:extLst>
-          </p:cNvPr>
-          <p:cNvSpPr>
-            <a:spLocks noGrp="1"/>
-          </p:cNvSpPr>
-          <p:nvPr>
-            <p:ph idx="1"/>
-          </p:nvPr>
-        </p:nvSpPr>
-        <p:spPr/>
-        <p:txBody>
-          <a:bodyPr>
-            <a:normAutofit/>
-          </a:bodyPr>
-          <a:lstStyle/>
-          <a:p>
-            <a:pPr>
-              <a:lnSpc>
-                <a:spcPct val="150000"/>
-              </a:lnSpc>
-            </a:pPr>
-            <a:r>
-              <a:rPr lang="en-US" dirty="0"/>
-              <a:t>1️⃣ </a:t>
-            </a:r>
-            <a:r>
-              <a:rPr lang="en-US" b="1" dirty="0"/>
-              <a:t>Microsoft Excel</a:t>
-            </a:r>
-            <a:r>
-              <a:rPr lang="en-US" dirty="0"/>
-              <a:t> – Data cleaning &amp; initial exploration 📊</a:t>
-            </a:r>
-            <a:br>
-              <a:rPr lang="en-US" dirty="0"/>
-            </a:br>
-            <a:r>
-              <a:rPr lang="en-US" dirty="0"/>
-              <a:t>2️⃣ </a:t>
-            </a:r>
-            <a:r>
-              <a:rPr lang="en-US" b="1" dirty="0"/>
-              <a:t>Power BI</a:t>
-            </a:r>
-            <a:r>
-              <a:rPr lang="en-US" dirty="0"/>
-              <a:t> – Interactive dashboards &amp; visualizations 📈</a:t>
-            </a:r>
-            <a:br>
-              <a:rPr lang="en-US" dirty="0"/>
-            </a:br>
-            <a:r>
-              <a:rPr lang="en-US" dirty="0"/>
-              <a:t>3️⃣ </a:t>
-            </a:r>
-            <a:r>
-              <a:rPr lang="en-US" b="1" dirty="0"/>
-              <a:t>DAX (Data Analysis Expressions)</a:t>
-            </a:r>
-            <a:r>
-              <a:rPr lang="en-US" dirty="0"/>
-              <a:t> – Advanced calculations in Power BI ⚙️</a:t>
-            </a:r>
-            <a:br>
-              <a:rPr lang="en-US" dirty="0"/>
-            </a:br>
-            <a:r>
-              <a:rPr lang="en-US" dirty="0"/>
-              <a:t>4️⃣ </a:t>
-            </a:r>
-            <a:r>
-              <a:rPr lang="en-US" b="1" dirty="0"/>
-              <a:t>Statistical Methods</a:t>
-            </a:r>
-            <a:r>
-              <a:rPr lang="en-US" dirty="0"/>
-              <a:t> – Forecasting &amp; performance evaluation 📉</a:t>
-            </a:r>
-          </a:p>
-          <a:p>
-            <a:pPr marL="0" indent="0">
-              <a:buNone/>
-            </a:pPr>
-            <a:endParaRPr lang="en-US" dirty="0"/>
-          </a:p>
-        </p:txBody>
-      </p:sp>
+              <a:t>Results </a:t>
+            </a:r>
+          </a:p>
+        </p:txBody>
+      </p:sp>
+      <mc:AlternateContent xmlns:mc="http://schemas.openxmlformats.org/markup-compatibility/2006">
+        <mc:Choice xmlns:we="http://schemas.microsoft.com/office/webextensions/webextension/2010/11" xmlns:pca="http://schemas.microsoft.com/office/powerpoint/2013/contentapp" Requires="we pca">
+          <p:graphicFrame>
+            <p:nvGraphicFramePr>
+              <p:cNvPr id="7" name="Content Placeholder 6">
+                <a:extLst>
+                  <a:ext uri="{FF2B5EF4-FFF2-40B4-BE49-F238E27FC236}">
+                    <a16:creationId xmlns:a16="http://schemas.microsoft.com/office/drawing/2014/main" id="{E18C58E5-BCDF-37F4-3587-9B8D60A9F913}"/>
+                  </a:ext>
+                </a:extLst>
+              </p:cNvPr>
+              <p:cNvGraphicFramePr>
+                <a:graphicFrameLocks noGrp="1"/>
+              </p:cNvGraphicFramePr>
+              <p:nvPr>
+                <p:ph idx="1"/>
+              </p:nvPr>
+            </p:nvGraphicFramePr>
+            <p:xfrm>
+              <a:off x="1295400" y="2557463"/>
+              <a:ext cx="9601200" cy="3317875"/>
+            </p:xfrm>
+            <a:graphic>
+              <a:graphicData uri="http://schemas.microsoft.com/office/webextensions/webextension/2010/11">
+                <we:webextensionref xmlns:we="http://schemas.microsoft.com/office/webextensions/webextension/2010/11" xmlns:r="http://schemas.openxmlformats.org/officeDocument/2006/relationships" r:id="rId2"/>
+              </a:graphicData>
+            </a:graphic>
+          </p:graphicFrame>
+        </mc:Choice>
+        <mc:Fallback>
+          <p:pic>
+            <p:nvPicPr>
+              <p:cNvPr id="7" name="Content Placeholder 6">
+                <a:extLst>
+                  <a:ext uri="{FF2B5EF4-FFF2-40B4-BE49-F238E27FC236}">
+                    <a16:creationId xmlns:a16="http://schemas.microsoft.com/office/drawing/2014/main" id="{E18C58E5-BCDF-37F4-3587-9B8D60A9F913}"/>
+                  </a:ext>
+                </a:extLst>
+              </p:cNvPr>
+              <p:cNvPicPr>
+                <a:picLocks noGrp="1" noRot="1" noChangeAspect="1" noMove="1" noResize="1" noEditPoints="1" noAdjustHandles="1" noChangeArrowheads="1" noChangeShapeType="1"/>
+              </p:cNvPicPr>
+              <p:nvPr/>
+            </p:nvPicPr>
+            <p:blipFill>
+              <a:blip r:embed="rId3"/>
+              <a:stretch>
+                <a:fillRect/>
+              </a:stretch>
+            </p:blipFill>
+            <p:spPr>
+              <a:xfrm>
+                <a:off x="1295400" y="2557463"/>
+                <a:ext cx="9601200" cy="3317875"/>
+              </a:xfrm>
+              <a:prstGeom prst="rect">
+                <a:avLst/>
+              </a:prstGeom>
+            </p:spPr>
+          </p:pic>
+        </mc:Fallback>
+      </mc:AlternateContent>
     </p:spTree>
     <p:extLst>
       <p:ext uri="{BB962C8B-B14F-4D97-AF65-F5344CB8AC3E}">
-        <p14:creationId xmlns:p14="http://schemas.microsoft.com/office/powerpoint/2010/main" val="3741735344"/>
+        <p14:creationId xmlns:p14="http://schemas.microsoft.com/office/powerpoint/2010/main" val="3789878424"/>
       </p:ext>
     </p:extLst>
   </p:cSld>
@@ -7151,6 +7118,166 @@
           <p:cNvPr id="2" name="Title 1">
             <a:extLst>
               <a:ext uri="{FF2B5EF4-FFF2-40B4-BE49-F238E27FC236}">
+                <a16:creationId xmlns:a16="http://schemas.microsoft.com/office/drawing/2014/main" id="{A14FA357-9A8D-EB97-DE81-875DE6E354F1}"/>
+              </a:ext>
+            </a:extLst>
+          </p:cNvPr>
+          <p:cNvSpPr>
+            <a:spLocks noGrp="1"/>
+          </p:cNvSpPr>
+          <p:nvPr>
+            <p:ph type="title"/>
+          </p:nvPr>
+        </p:nvSpPr>
+        <p:spPr/>
+        <p:txBody>
+          <a:bodyPr/>
+          <a:lstStyle/>
+          <a:p>
+            <a:r>
+              <a:rPr lang="en-US" dirty="0"/>
+              <a:t>Tools </a:t>
+            </a:r>
+            <a:r>
+              <a:rPr lang="ar-EG" dirty="0"/>
+              <a:t> </a:t>
+            </a:r>
+            <a:r>
+              <a:rPr lang="en-US" dirty="0"/>
+              <a:t>used for analysis </a:t>
+            </a:r>
+          </a:p>
+        </p:txBody>
+      </p:sp>
+      <p:sp>
+        <p:nvSpPr>
+          <p:cNvPr id="3" name="Content Placeholder 2">
+            <a:extLst>
+              <a:ext uri="{FF2B5EF4-FFF2-40B4-BE49-F238E27FC236}">
+                <a16:creationId xmlns:a16="http://schemas.microsoft.com/office/drawing/2014/main" id="{6D41FDEC-050F-9044-F58D-292E42885592}"/>
+              </a:ext>
+            </a:extLst>
+          </p:cNvPr>
+          <p:cNvSpPr>
+            <a:spLocks noGrp="1"/>
+          </p:cNvSpPr>
+          <p:nvPr>
+            <p:ph idx="1"/>
+          </p:nvPr>
+        </p:nvSpPr>
+        <p:spPr/>
+        <p:txBody>
+          <a:bodyPr>
+            <a:normAutofit/>
+          </a:bodyPr>
+          <a:lstStyle/>
+          <a:p>
+            <a:pPr>
+              <a:lnSpc>
+                <a:spcPct val="150000"/>
+              </a:lnSpc>
+            </a:pPr>
+            <a:r>
+              <a:rPr lang="en-US" dirty="0"/>
+              <a:t>1️⃣ </a:t>
+            </a:r>
+            <a:r>
+              <a:rPr lang="en-US" b="1" dirty="0"/>
+              <a:t>Power Query</a:t>
+            </a:r>
+            <a:r>
+              <a:rPr lang="en-US" dirty="0"/>
+              <a:t>– Data cleaning &amp; initial exploration 📊</a:t>
+            </a:r>
+            <a:br>
+              <a:rPr lang="en-US" dirty="0"/>
+            </a:br>
+            <a:r>
+              <a:rPr lang="en-US" dirty="0"/>
+              <a:t>2️⃣ </a:t>
+            </a:r>
+            <a:r>
+              <a:rPr lang="en-US" b="1" dirty="0"/>
+              <a:t>Power BI</a:t>
+            </a:r>
+            <a:r>
+              <a:rPr lang="en-US" dirty="0"/>
+              <a:t> – Interactive dashboards &amp; visualizations 📈</a:t>
+            </a:r>
+            <a:br>
+              <a:rPr lang="en-US" dirty="0"/>
+            </a:br>
+            <a:r>
+              <a:rPr lang="en-US" dirty="0"/>
+              <a:t>3️⃣ </a:t>
+            </a:r>
+            <a:r>
+              <a:rPr lang="en-US" b="1" dirty="0"/>
+              <a:t>DAX (Data Analysis Expressions)</a:t>
+            </a:r>
+            <a:r>
+              <a:rPr lang="en-US" dirty="0"/>
+              <a:t> – Advanced calculations in Power BI ⚙️</a:t>
+            </a:r>
+            <a:br>
+              <a:rPr lang="en-US" dirty="0"/>
+            </a:br>
+            <a:r>
+              <a:rPr lang="en-US" dirty="0"/>
+              <a:t>4️⃣ </a:t>
+            </a:r>
+            <a:r>
+              <a:rPr lang="en-US" b="1" dirty="0"/>
+              <a:t>Statistical Methods</a:t>
+            </a:r>
+            <a:r>
+              <a:rPr lang="en-US" dirty="0"/>
+              <a:t> –Performance evaluation 📉</a:t>
+            </a:r>
+          </a:p>
+          <a:p>
+            <a:pPr marL="0" indent="0">
+              <a:buNone/>
+            </a:pPr>
+            <a:endParaRPr lang="en-US" dirty="0"/>
+          </a:p>
+        </p:txBody>
+      </p:sp>
+    </p:spTree>
+    <p:extLst>
+      <p:ext uri="{BB962C8B-B14F-4D97-AF65-F5344CB8AC3E}">
+        <p14:creationId xmlns:p14="http://schemas.microsoft.com/office/powerpoint/2010/main" val="3741735344"/>
+      </p:ext>
+    </p:extLst>
+  </p:cSld>
+  <p:clrMapOvr>
+    <a:masterClrMapping/>
+  </p:clrMapOvr>
+</p:sld>
+</file>
+
+<file path=ppt/slides/slide8.xml><?xml version="1.0" encoding="utf-8"?>
+<p:sld xmlns:a="http://schemas.openxmlformats.org/drawingml/2006/main" xmlns:r="http://schemas.openxmlformats.org/officeDocument/2006/relationships" xmlns:p="http://schemas.openxmlformats.org/presentationml/2006/main">
+  <p:cSld>
+    <p:spTree>
+      <p:nvGrpSpPr>
+        <p:cNvPr id="1" name=""/>
+        <p:cNvGrpSpPr/>
+        <p:nvPr/>
+      </p:nvGrpSpPr>
+      <p:grpSpPr>
+        <a:xfrm>
+          <a:off x="0" y="0"/>
+          <a:ext cx="0" cy="0"/>
+          <a:chOff x="0" y="0"/>
+          <a:chExt cx="0" cy="0"/>
+        </a:xfrm>
+      </p:grpSpPr>
+      <p:sp>
+        <p:nvSpPr>
+          <p:cNvPr id="2" name="Title 1">
+            <a:extLst>
+              <a:ext uri="{FF2B5EF4-FFF2-40B4-BE49-F238E27FC236}">
                 <a16:creationId xmlns:a16="http://schemas.microsoft.com/office/drawing/2014/main" id="{1530857E-5F66-8308-30B6-5CCAA5F0DBC4}"/>
               </a:ext>
             </a:extLst>
@@ -7174,8 +7301,8 @@
           </a:p>
         </p:txBody>
       </p:sp>
-      <mc:AlternateContent xmlns:mc="http://schemas.openxmlformats.org/markup-compatibility/2006" xmlns:we="http://schemas.microsoft.com/office/webextensions/webextension/2010/11" xmlns:pca="http://schemas.microsoft.com/office/powerpoint/2013/contentapp">
-        <mc:Choice Requires="we pca">
+      <mc:AlternateContent xmlns:mc="http://schemas.openxmlformats.org/markup-compatibility/2006">
+        <mc:Choice xmlns:we="http://schemas.microsoft.com/office/webextensions/webextension/2010/11" xmlns:pca="http://schemas.microsoft.com/office/powerpoint/2013/contentapp" Requires="we pca">
           <p:graphicFrame>
             <p:nvGraphicFramePr>
               <p:cNvPr id="7" name="Content Placeholder 6">
@@ -7203,7 +7330,7 @@
             </a:graphic>
           </p:graphicFrame>
         </mc:Choice>
-        <mc:Fallback xmlns="">
+        <mc:Fallback>
           <p:pic>
             <p:nvPicPr>
               <p:cNvPr id="7" name="Content Placeholder 6">
@@ -7249,89 +7376,6 @@
 </p:sld>
 </file>
 
-<file path=ppt/slides/slide8.xml><?xml version="1.0" encoding="utf-8"?>
-<p:sld xmlns:a="http://schemas.openxmlformats.org/drawingml/2006/main" xmlns:r="http://schemas.openxmlformats.org/officeDocument/2006/relationships" xmlns:p="http://schemas.openxmlformats.org/presentationml/2006/main">
-  <p:cSld>
-    <p:spTree>
-      <p:nvGrpSpPr>
-        <p:cNvPr id="1" name=""/>
-        <p:cNvGrpSpPr/>
-        <p:nvPr/>
-      </p:nvGrpSpPr>
-      <p:grpSpPr>
-        <a:xfrm>
-          <a:off x="0" y="0"/>
-          <a:ext cx="0" cy="0"/>
-          <a:chOff x="0" y="0"/>
-          <a:chExt cx="0" cy="0"/>
-        </a:xfrm>
-      </p:grpSpPr>
-      <p:sp>
-        <p:nvSpPr>
-          <p:cNvPr id="2" name="Title 1">
-            <a:extLst>
-              <a:ext uri="{FF2B5EF4-FFF2-40B4-BE49-F238E27FC236}">
-                <a16:creationId xmlns:a16="http://schemas.microsoft.com/office/drawing/2014/main" id="{30DA0946-67A9-B8A2-FBDF-451E1D804371}"/>
-              </a:ext>
-            </a:extLst>
-          </p:cNvPr>
-          <p:cNvSpPr>
-            <a:spLocks noGrp="1"/>
-          </p:cNvSpPr>
-          <p:nvPr>
-            <p:ph type="title"/>
-          </p:nvPr>
-        </p:nvSpPr>
-        <p:spPr/>
-        <p:txBody>
-          <a:bodyPr/>
-          <a:lstStyle/>
-          <a:p>
-            <a:r>
-              <a:rPr lang="en-US" dirty="0"/>
-              <a:t>Conclusions </a:t>
-            </a:r>
-          </a:p>
-        </p:txBody>
-      </p:sp>
-      <p:sp>
-        <p:nvSpPr>
-          <p:cNvPr id="3" name="Content Placeholder 2">
-            <a:extLst>
-              <a:ext uri="{FF2B5EF4-FFF2-40B4-BE49-F238E27FC236}">
-                <a16:creationId xmlns:a16="http://schemas.microsoft.com/office/drawing/2014/main" id="{C77F4AF9-3BAC-45CD-F3D9-7DDC7A483FD8}"/>
-              </a:ext>
-            </a:extLst>
-          </p:cNvPr>
-          <p:cNvSpPr>
-            <a:spLocks noGrp="1"/>
-          </p:cNvSpPr>
-          <p:nvPr>
-            <p:ph idx="1"/>
-          </p:nvPr>
-        </p:nvSpPr>
-        <p:spPr/>
-        <p:txBody>
-          <a:bodyPr/>
-          <a:lstStyle/>
-          <a:p>
-            <a:endParaRPr lang="en-US" dirty="0"/>
-          </a:p>
-        </p:txBody>
-      </p:sp>
-    </p:spTree>
-    <p:extLst>
-      <p:ext uri="{BB962C8B-B14F-4D97-AF65-F5344CB8AC3E}">
-        <p14:creationId xmlns:p14="http://schemas.microsoft.com/office/powerpoint/2010/main" val="2825855596"/>
-      </p:ext>
-    </p:extLst>
-  </p:cSld>
-  <p:clrMapOvr>
-    <a:masterClrMapping/>
-  </p:clrMapOvr>
-</p:sld>
-</file>
-
 <file path=ppt/slides/slide9.xml><?xml version="1.0" encoding="utf-8"?>
 <p:sld xmlns:a="http://schemas.openxmlformats.org/drawingml/2006/main" xmlns:r="http://schemas.openxmlformats.org/officeDocument/2006/relationships" xmlns:p="http://schemas.openxmlformats.org/presentationml/2006/main">
   <p:cSld>
@@ -7354,7 +7398,7 @@
           <p:cNvPr id="2" name="Title 1">
             <a:extLst>
               <a:ext uri="{FF2B5EF4-FFF2-40B4-BE49-F238E27FC236}">
-                <a16:creationId xmlns:a16="http://schemas.microsoft.com/office/drawing/2014/main" id="{162DF8C7-2FA7-0796-77ED-904C2BA37A32}"/>
+                <a16:creationId xmlns:a16="http://schemas.microsoft.com/office/drawing/2014/main" id="{30DA0946-67A9-B8A2-FBDF-451E1D804371}"/>
               </a:ext>
             </a:extLst>
           </p:cNvPr>
@@ -7372,7 +7416,7 @@
           <a:p>
             <a:r>
               <a:rPr lang="en-US" dirty="0"/>
-              <a:t>Recommendations </a:t>
+              <a:t>Conclusions </a:t>
             </a:r>
           </a:p>
         </p:txBody>
@@ -7382,7 +7426,7 @@
           <p:cNvPr id="3" name="Content Placeholder 2">
             <a:extLst>
               <a:ext uri="{FF2B5EF4-FFF2-40B4-BE49-F238E27FC236}">
-                <a16:creationId xmlns:a16="http://schemas.microsoft.com/office/drawing/2014/main" id="{F0E5F41A-AF39-2DDE-1726-AECFEB9A59CB}"/>
+                <a16:creationId xmlns:a16="http://schemas.microsoft.com/office/drawing/2014/main" id="{C77F4AF9-3BAC-45CD-F3D9-7DDC7A483FD8}"/>
               </a:ext>
             </a:extLst>
           </p:cNvPr>
@@ -7398,14 +7442,14 @@
           <a:bodyPr/>
           <a:lstStyle/>
           <a:p>
-            <a:endParaRPr lang="en-US"/>
+            <a:endParaRPr lang="en-US" dirty="0"/>
           </a:p>
         </p:txBody>
       </p:sp>
     </p:spTree>
     <p:extLst>
       <p:ext uri="{BB962C8B-B14F-4D97-AF65-F5344CB8AC3E}">
-        <p14:creationId xmlns:p14="http://schemas.microsoft.com/office/powerpoint/2010/main" val="4054127594"/>
+        <p14:creationId xmlns:p14="http://schemas.microsoft.com/office/powerpoint/2010/main" val="2825855596"/>
       </p:ext>
     </p:extLst>
   </p:cSld>
@@ -7654,7 +7698,55 @@
   <we:alternateReferences>
     <we:reference id="wa200003233" version="2.0.0.3" store="en-US" storeType="OMEX"/>
   </we:alternateReferences>
-  <we:properties/>
+  <we:properties>
+    <we:property name="artifactViewState" value="&quot;live&quot;"/>
+    <we:property name="backgroundColor" value="&quot;#F8F9FC&quot;"/>
+    <we:property name="bookmark" value="&quot;H4sIAAAAAAAAA+1aWW/UOhT+K6NIV7wUsON44w3aoruwVC2CB8SDl+M2kElGSaa0F/W/32MnhdKZdoaBitLLUyfOydmXz3Y/Zb7sZpU5fWGmkD3KnjTNh6lpP0xYtpXVw5rRihDrhCvA+sIbY3OLb5tZXzZ1lz36lPWmPYT+ddnNTRUZ4eLbd1uZqao9cxifgqk62Mpm0HZNbaryXxiI8VXfzuFsK4OTWdW0JrI86E0Pke0xkuMzqkAfRH2M68tjOADXD6uFV56TUDgmZZAMiGQ5knUDQdJsKUlkncRvN3VvyhrFxDXGfC5Ae2IC0wU3FESi7cr6sBoV/vLtq9NZdE53ZPAvesO+R7GRz9kZmmM4BbDMMOe94syBzfVKXuUUvbXIS2uhBM9JrgulVYBgKV/Jq4eT3jYni9wUZYa4wkueg4fCOMH8plYqorXVjOTCaeF9TjFFVvIyKTpP5n2PQVxgyZ3ERFNCSQWUeaZzElaynKHfXpjj8tD0TbvIU1iZKy6Z8MI6p3JweQpsKKt+jL093T2ZtZi2mMwDz8f+2NQOfJZys4VuSMVP2XMw3bxNdu5+9eKgmbcO9iHpu1v3ZX+KfPZh1rR9FvXYaxusgLS63czrfrIdJVQV+MkBtMelw1KJdEfNx+0WsAgwMOTsHa5ca70zrf/aaHxoPbRPTpNBO2V7XjL51iWdb9oY1B5pJVdWUQmgBLXGFFQxcisCsAPY+u6G+5eYMji/cMKCp6CtYdxL4ikxt8L5L+tX5RTugu8XLRlcb6zx1GktpZZOmNwWXN4K1+9Vpq7vRt4vMWVwPk7dnDKlgyfofabyIrhNB10ug9A5sNxa6VnIgcrVvK4cwSQOIsFZ7hVxDgQHpTbnVhjg3HpUDcelAq6kXD3dtjHMh01bOpR0Oc/+LKE1rTs6fQbHUC3G6PP7xVfn0Xlt2nLAcime68Z5B7V6ZWwFKdQjJP3MK/sq+pE2kV1QJy1OvizE16MR2XPEekdL8nzrV+t5FQLW7SODEi4V3wCPUeT7CwB4DPRQknc7su9SOXhmgw7cY6UGbzlQJX422PsDw37/1591S80YMQYPOueaEkK1xj4Lhbeb9lpsX85ocIwVHAgXIrDf/ez29bMfk9S/m9m1zcxarzmVwlsEC0AtNjO5OVLgnEnpClEIS4U0RGi1mttViIhJ7Zj2ObOSKA0asdamvJwJrjCScQWmUCSXXhbfga64BqmBqBAUKTSxmvCfPgDuyE7/CkOGIRDyXHMGAl1OgHuCuFv/bty3rnH/yKOn3+372vYtueCWO8apFxScMLb4jm0jldSqQoBBfOQL0IHA6pZ79bbRMhJYAYbkiLIUBxw031Wt2001n9Zr56Ypq4/m9HJyPn7+cO/5Jploxpo5qDCX25Fo8VgejDGUWisUzkLLCc6wn2/0HpgPD5sQ7scfN2P8+nPiRiwaB4QujOdUBdwexA0DKcQ1x8Dnt095Lqh2wIAEBTnuDEKEEEtjMzCKfF6fXx2hfU/bZpo4jqUebwgWDNjKBl+it7eyN0cQu+zb6I3al/3ogr8uuaUbSdZw2HmHQuGXXPU3vqnhdBJvveaxCaP816aap0s0ZP+sRJOGmKdl/OTe5+Z9L9FfQTWeCCeadykGN5K9Cwb8+PTNptAepv5+CPVgJ9o8G3QoofuSRF//+j9lwRDhs/RlB9V5fS/4qeuxWvqDFI+DRBdXIVXdUjnxgjaW8Mge55DJNXNEStzwc17gnp9dc6o9lrEvLMjC0oCF7JhQjKniSxlfQDybRG/AOesEb7uZznDSd5ef/ilrzFUaB3no14daVwf0aTJjEqFCN3lT9kcIGA6PJjtl185t0iZ+sI9r/RV+Jw+I2Dl3/I0gwfV0vFjM9AJKvfGxuI82NvUkNO1wubUZZn7comFT6MuEvL4tvN+DpD+H9sDhB3732CwBuTevRpKe6mC/qc4Zxp+RXfOxy8bZ/BK5pdvzR+w6N9940BO2bsJkbIibjJNZedz0A8Bfa1eS1P6GLr5B3mJDSs7+YTIW3TQeGEnnAninVBEYY04w+02n32t2X3rb2i9d+8jl57bcNU+Cfq2C62Ot7S7sMVNCLgNxzbzvZsbBnqlhCUJBI03twa/AJel/yrIkBLUpY7l/E5D5D5PHtnH7JgAA&quot;"/>
+    <we:property name="creatorSessionId" value="&quot;83888efa-95ba-40a0-aacb-c5ddea71dd34&quot;"/>
+    <we:property name="creatorTenantId" value="&quot;53243f2a-db76-48b1-afec-65ba6e03907a&quot;"/>
+    <we:property name="creatorUserId" value="&quot;1003200442225A07&quot;"/>
+    <we:property name="datasetId" value="&quot;783a118c-aae5-4fb6-b388-c2325c433cd9&quot;"/>
+    <we:property name="embedUrl" value="&quot;/reportEmbed?reportId=9906c427-7783-463b-b4a2-b7e4d6e2b2d3&amp;config=eyJjbHVzdGVyVXJsIjoiaHR0cHM6Ly9XQUJJLVVTLUNFTlRSQUwtQi1QUklNQVJZLXJlZGlyZWN0LmFuYWx5c2lzLndpbmRvd3MubmV0IiwiZW1iZWRGZWF0dXJlcyI6eyJ1c2FnZU1ldHJpY3NWTmV4dCI6dHJ1ZX19&amp;disableSensitivityBanner=true&quot;"/>
+    <we:property name="initialStateBookmark" value="&quot;H4sIAAAAAAAAA+1b608bSRL/VyyfVnsn+W77/dhvhGR1dwkEkSj74RSdqrurzSzG4xuPSVjE/341MyY8jGPHQAIIPmBPT091PX9V1T0+7adiOhnByS4cYf/X/ouyPDyC6rAn+4P+eD729u3rna391//d3dp5RcPlpC7K8bT/62m/hmqI9YdiOoNRQ4EG//Nx0IfRaA+GzVWG0RQH/QlW03IMo+JP7CbTrbqa4dmgj58no7KChuS7GmpsyB7TdLqmtfk/GkYg1sUxvsNYd6MMhEUfs1c6SCaDjjbTtGk3oeXsxikN6Xb57XJcQzGmZZqxrILwnMkcnISUcjQpNePTYjwczRm+ePb9yaTRyvQA6JO0Ef6gZRs6Z2ckjvOWMYnaO8a4ltZyDCtpFUekrUVaXlrus5chcu5iEtlntpJWjZ/rUH5epKbBWsO4tVol4N5Ipf2mUippsiTtypCE4DYH5GolLWit82JW12TEBZIyG561NcYym0hcEDKvJDkhve3CcTGEuqxuoKkNc5xlJE8IxoIWyW1sWEQuk3WBa0iO3CrnllYuRvXcj8LJq8+TikLg9Dx0QtBckkzCiOjAepWzJdJ1t9I2ufuwrIpIXAzmhBo6H87dXwz6v1XlUUtxHqCNlK/GdVGf0MU+FKNPcEJDHe/sjILv9wOssH2EvDwVXcic9v/V/m8YxOm0i5J2ymh2dO1Oc/WunFUR9zFfXLSLN5rYq0qK544BzLNx6u3j/2Y4rekurf8BRrMWCIj8m4JE6nTcDtMjP++WPzcTP5JWP3bxf2ndtfhZkH8VV4P+Qflpu0LSNwU2PxucnptgKx3DONLodUa2hsMKh3CuvVd3z+UeGR7bwd9m4zmyseu8slZHX/XXCFW66q50USWsXpy0Jn5ZVOfASf706mFISWLRkJHW8yyUNTJznr2FHDeNT++ACx4t1z6KxOl7kpvSYgEk8yLEyJhmBBqc682BNzPBg0yIUhikT4VeLEeOVY65gzCdVbi2WXBSVvV1q2wfYDzsvRjB+LDXRctClNyz592fGJ1rJY02xUjZJAXLgEN2YlN3SMlGE1SUTElyMCcow6+EfiUhKEzOKs18AGciZxfQf8m86+H+X67gfqeNC9gffJl3dHneTjGNayWH7fJoAlUxvX71uhg3gDnov8Fcr2+2LwnjaMFi5Wxc9/bLT9PeZcDYL4YHLf0bEgZ70xj1pmTxjT7UamM9fhbSxdyogpsIMXgJCoInR/DBPefzB5TPr5rgKi//LIj3Kh6cvMFjHC3y9OX+4q1zZj5QWHStylyF68n1krh6D2HUJcK55b/Q6l8RtpnbTrvETjvYuxhobs+F6O9QK3NwA3o/qRpnRL3a9gG0mHcl3XSdIa34x6Xeb+4EXRJ62lb/2CYoji5xGTUzJotspOYZNq9XfKbuzqWUoorUlCUW7caNIiZg1MxlQBZyFhodw805Y0lbyZx31kOkjG6pq9qcGvXTKRlAlWXkCY0OaTVvS+QMykfq921USvHkcxQ2rSwRGBOGtAva2khFilJSw1PKJu+LeIh1r119rVQyR6r7zidX+Vqe7b1AhpTrQ+TImcoJ/HO2f0jZ/glktsfcvYMRIjCtMBqnhcnGb9xiOdTJOIWOU4ulhZOerYGfKgr0IFE4avZEUEappxSf346f45O6OHow+EkGceClk9JRVZINcPu8+/ko8PPOd2fIM9+TZz76XaYLOToMdAIAeYAEgspJAkPBzaYYSBWtgEg1qeaAWYPLElZjoDEhKs+QGZ1YUEwk/5Ri7Jsx8G3Of99DOHwoIJiRCSrxubDKRGBap/QMgo8CBJ+LyO9QRPqQuIWsU0wuxoBa3wJAk4acnfcaIcjgzXx74KsA6qgFt7R09t4JLWXO+UkB6OONz7mBUhKCeRA2RqZQx6xxqYGeN3xX6eTec98T23mOo9mUAgRTx9XzJvTSTWgUXMWolBdRCeeMsnz1AfzSzdkYrEnKe6NZBAM6S32LjeOkDDDjtfQhAyG+NrD6BDep5IFTYc2zZpCsS0/rsO/fdGeMJ73mtbvZdL3M8BJHcILpvtPDAmubnfjdCS9zkXs7xXhW47T312FVziZ/2wz47qYhbQ+tdwmB9ykSx7MNQfgOeVn6Dsn3YuOnW7zGMimOy7rDyPVqaH69hr5nP2sC88Yc07y3sD4SbM7AHOB5sDygzdFG42RwVI1tDsk2WfDB2Owzl9EAcGc3pya4jYkFFz1PTDiAxFe/KrukjRDKKcesZBYD49oIxm7x2q2RwBOXOYkQQtaAQvHlqed7gdoKgH0w+LEyeANUN9Zk33eH8KoQS+P1Sk14P3bsQjUKiiuUymvHRQrSarf6CH+pCztvghJCqagg8ATWqFvUYsH4qKRr+nNiUQqL2j4HxDcl98cUFVcl+fGhwZI3zGhEYRQPBpy0q39nsNSZlUIRJCB3oflphQfDNn5XxhKxEJgNXGDMhkUX1Y8PjK2dX/Z2NvFBmIfJuxF14tV80mKfh5ryNdfe8JQkF0Jw/+OFbg4QfinnJwn3I/z6wXgvErXR0My5YKl/hNWwjflyVk8nEHEPxl0zOukIFdjOI4XDOGGaf2/b3huaxfa3X/12EdJN0dTXX3+g+UXY+bu+9Pd/YNMKvpw2AAA=&quot;"/>
+    <we:property name="isFiltersActionButtonVisible" value="true"/>
+    <we:property name="isVisualContainerHeaderHidden" value="false"/>
+    <we:property name="pageDisplayName" value="&quot;Railway Performance&quot;"/>
+    <we:property name="pageName" value="&quot;4d8d50f4c377f73e0732&quot;"/>
+    <we:property name="reportEmbeddedTime" value="&quot;2025-03-12T21:17:51.015Z&quot;"/>
+    <we:property name="reportName" value="&quot;Mustafa Elsheshtawi&quot;"/>
+    <we:property name="reportState" value="&quot;CONNECTED&quot;"/>
+    <we:property name="reportUrl" value="&quot;/links/EB5-TVv_Wc?ctid=53243f2a-db76-48b1-afec-65ba6e03907a&amp;pbi_source=linkShare&amp;bookmarkGuid=af812c5b-14b5-4a14-b9fe-290d057392a3&amp;fromEntryPoint=share&quot;"/>
+  </we:properties>
+  <we:bindings/>
+  <we:snapshot xmlns:r="http://schemas.openxmlformats.org/officeDocument/2006/relationships"/>
+</we:webextension>
+</file>
+
+<file path=ppt/webextensions/webextension2.xml><?xml version="1.0" encoding="utf-8"?>
+<we:webextension xmlns:we="http://schemas.microsoft.com/office/webextensions/webextension/2010/11" id="{D14796A3-29AD-4A2D-9278-63595CF7743A}">
+  <we:reference id="wa200003233" version="2.0.0.3" store="en-US" storeType="OMEX"/>
+  <we:alternateReferences>
+    <we:reference id="wa200003233" version="2.0.0.3" store="en-US" storeType="OMEX"/>
+  </we:alternateReferences>
+  <we:properties>
+    <we:property name="reportUrl" value="&quot;/links/EB5-TVv_Wc?ctid=53243f2a-db76-48b1-afec-65ba6e03907a&amp;pbi_source=linkShare&amp;bookmarkGuid=af812c5b-14b5-4a14-b9fe-290d057392a3&amp;fromEntryPoint=share&quot;"/>
+    <we:property name="reportName" value="&quot;Mustafa Elsheshtawi&quot;"/>
+    <we:property name="reportState" value="&quot;CONNECTED&quot;"/>
+    <we:property name="embedUrl" value="&quot;/reportEmbed?reportId=9906c427-7783-463b-b4a2-b7e4d6e2b2d3&amp;config=eyJjbHVzdGVyVXJsIjoiaHR0cHM6Ly9XQUJJLVVTLUNFTlRSQUwtQi1QUklNQVJZLXJlZGlyZWN0LmFuYWx5c2lzLndpbmRvd3MubmV0IiwiZW1iZWRGZWF0dXJlcyI6eyJ1c2FnZU1ldHJpY3NWTmV4dCI6dHJ1ZX19&amp;disableSensitivityBanner=true&quot;"/>
+    <we:property name="pageName" value="&quot;07849819bb90a175970b&quot;"/>
+    <we:property name="pageDisplayName" value="&quot;Passenger usage&quot;"/>
+    <we:property name="datasetId" value="&quot;783a118c-aae5-4fb6-b388-c2325c433cd9&quot;"/>
+    <we:property name="backgroundColor" value="&quot;#F8F9FC&quot;"/>
+    <we:property name="bookmark" value="&quot;H4sIAAAAAAAAA+1a224bRxL9FYEv2QWI3b5f8mbLyWaBKCvYhvdhoYfq7mpq4hGHmBnKZgT9+9bMkDZFiSJB6+YgFCBhupvVp6rrdlpzNUpFMyth8Rtc4OjH0euq+ngB9ccjORqPpsNYEs5lozEw5Z11liMqmq1mbVFNm9GPV6MW6gm2H4pmDmUniAb/dzYeQVmewqR7ylA2OB7NsG6qKZTFHzgspqm2nuP1eISfZ2VVQyfyXQstdmIvaTk9EwT+jw4PxLa4xHcY22GUWUeIuA/BM+BWe8sCLWuGBT2yO5d0ovvtj6tpC8WUtunGktAGpUXOo8+ZaUg5d+NNMZ2US8Bfv/t+MeuM05wD/SVrhN9p207O9TWpA5lzb3zSKBmPXASGaaes4oKsdVtWTjok6zUC184lIJBmp6wWP7eh+nxbWrRcE6KcNTrBIAid4qFaKheYTyGD0DkIoZUDtlMW9Kfzet62dIi3RErIUbFgPPc6KC4Tk2KnyBnZ7Te4LCbQVvVtmYmR8YyCmJNVhktFLvwNBuQ8CxOiFTHGzGS0vjdgLsp26Ulh8dPnWU1BcLWKIdAqKxmllxyjR+vBdTHUDnsdk8NPqrqIhGO8FNTJ+bAKADEe/VxXF73EZaR2ev40bYt2QQ9voSg/wYKGBvTsmsLvv+dYY/8V8vNUDEFzNfp3/7sDiE0zxEm/pJxfbMx0T++qeR3xLeavD/3mnSVO64oiugfw6uSfpyc0SNt+gHLeZwCS+mtBmgzG7Ydp5Q+nJz90C8/ImGdD4K9ttxeMW2pvATMenVefjmsk61Lw8evx1crgr9IlTCONbu5/gtDMa9wXwEnRxM3dj6v5tD16W31qjtbxrUNha1Bunv0jWOPNcwN4X1zg0b/qaj67A0fnAvfHdnFZte8hlBv5hx7qhPXrRe++b4p6VRb4eAPsA1qx8++hCtHU72t1pjvu/eNov81or0HaA0q+cRZnQ3mhmhcgMxCMeyUki353Eg/LPuGerBtTMDYKD4lL6QT9JLYzT3IqIgSHMW6tCSwEE+VfefKvPPni01TsIRyfQ90+b57CGUGgoznq9LkvZS0NunjU5JJs8JqpRD0dC9pH0EJ9Q+slEdDZaKJQWQqTVdjdHG7pXZ2P1kik5toKKTLlpz0aza3Iuo4QtQ2aoDFhuBBcbU92LyW6dns11OmOHl1Tz0tUhJhVTI7r7JE/mbJv4DxUHaw7FT7u9ihLTA+nLTEbJ6In1kRn6r2RDg8mTJL4m2Emo0pOSemDUPpwiklEIijprYrZ5hCC2y1rqwMb2fE4K21MSOfKbHD3VOuX4sD7lYdfCiqudTxf/IqXWN4G9WX+9tQK0Aeoi+FyYlna93XWFofetcO+7Ei+yBptNH3tsGwNTj949HWgm14qMTqppu35IW5eFlO8s1DtLhN/bksOJUsmallZoi6UkjjzngvYfd2yJUY9ZUa01FFziFaEpIEfHO/cJ+ROQJYQMgaObI9436NPF4nlbLTjITCpUrIJ7OF5JCgRWaAaSB/q/5PMyR+eR15NJjVOYNWSP0K/1A3HVTn5eT5dNmf60FzTtz+rvb8d1tHfJp3A5u+0US8a04NzwjUTnB1E0O/OJlvaXrHZ9n73Fhus5rRG4q5gpJWBmkCnjN5Jd3UwlCCMVeDBRJN9NuLPRHfXDbWb8b5K87LtSe94y4o3RdPVgHTvonc4Lar6scnzjcSxLVN8F4ntW7jtEzHLjYCjIp21NkkGZ0DH5JPW2h1etJgiEqMsRG8NdeSe6T145XYuaEOQ2gQVeYySK2OFeMkl8H0RPyJRpxKa5qHK4OMAe+LK9BhKPOl1zI2dh8BhUjKVgKpOYlKDzB5292dPddL9ub3QfLoJ8dFS6r7e+cwqP70jL3GcLa8ClXDku4Yno4gP+Wx338psTdnUsXHJMWjwVnrQzAV+ME+TyKzI0psMxiTNYzqY8zkuSBwRNB41Uo3S2h7MRbnSlgl0kKgmqe4uNvpDZVkpvYbsYxBRqWQNGzjyC7gB/M90efH9ANd/+wfj46gwMIuctfECfPCQQgjGpWBfiLGpH6/ny/eAvmeL39RjMDsLRumofJJecI/omXi6K/0dcLGExUPdcT+Xyb/oMJjbWGqZsyPanNBwapk9uBdi7gf+p8IzGXxdi2UR3XgLrr8u6S2ds6SaGpOITgXJtI25TznxvChTjT0GkZMJjBITCuskQAAN3XjR/FKk1K3p3/qjbTRm4xkQt3LCsqylw42V/UuA/WfdUqMLrCe99tW8bWYQ8RSmw9XFbNCuwH4dnT1M0/CGHfYucufNQI9ntNK86C6T7/9CB2vUw+rsdf1/QvCQHy0pAAA=&quot;"/>
+    <we:property name="initialStateBookmark" value="&quot;H4sIAAAAAAAAA+1b608bSRL/VyyfVnsn+W77/dhvhGR1dwkEkSj74RSdqrurzSzG4xuPSVjE/341MyY8jGPHQAIIPmBPT091PX9V1T0+7adiOhnByS4cYf/X/ouyPDyC6rAn+4P+eD729u3rna391//d3dp5RcPlpC7K8bT/62m/hmqI9YdiOoNRQ4EG//Nx0IfRaA+GzVWG0RQH/QlW03IMo+JP7CbTrbqa4dmgj58no7KChuS7GmpsyB7TdLqmtfk/GkYg1sUxvsNYd6MMhEUfs1c6SCaDjjbTtGk3oeXsxikN6Xb57XJcQzGmZZqxrILwnMkcnISUcjQpNePTYjwczRm+ePb9yaTRyvQA6JO0Ef6gZRs6Z2ckjvOWMYnaO8a4ltZyDCtpFUekrUVaXlrus5chcu5iEtlntpJWjZ/rUH5epKbBWsO4tVol4N5Ipf2mUippsiTtypCE4DYH5GolLWit82JW12TEBZIyG561NcYym0hcEDKvJDkhve3CcTGEuqxuoKkNc5xlJE8IxoIWyW1sWEQuk3WBa0iO3CrnllYuRvXcj8LJq8+TikLg9Dx0QtBckkzCiOjAepWzJdJ1t9I2ufuwrIpIXAzmhBo6H87dXwz6v1XlUUtxHqCNlK/GdVGf0MU+FKNPcEJDHe/sjILv9wOssH2EvDwVXcic9v/V/m8YxOm0i5J2ymh2dO1Oc/WunFUR9zFfXLSLN5rYq0qK544BzLNx6u3j/2Y4rekurf8BRrMWCIj8m4JE6nTcDtMjP++WPzcTP5JWP3bxf2ndtfhZkH8VV4P+Qflpu0LSNwU2PxucnptgKx3DONLodUa2hsMKh3CuvVd3z+UeGR7bwd9m4zmyseu8slZHX/XXCFW66q50USWsXpy0Jn5ZVOfASf706mFISWLRkJHW8yyUNTJznr2FHDeNT++ACx4t1z6KxOl7kpvSYgEk8yLEyJhmBBqc682BNzPBg0yIUhikT4VeLEeOVY65gzCdVbi2WXBSVvV1q2wfYDzsvRjB+LDXRctClNyz592fGJ1rJY02xUjZJAXLgEN2YlN3SMlGE1SUTElyMCcow6+EfiUhKEzOKs18AGciZxfQf8m86+H+X67gfqeNC9gffJl3dHneTjGNayWH7fJoAlUxvX71uhg3gDnov8Fcr2+2LwnjaMFi5Wxc9/bLT9PeZcDYL4YHLf0bEgZ70xj1pmTxjT7UamM9fhbSxdyogpsIMXgJCoInR/DBPefzB5TPr5rgKi//LIj3Kh6cvMFjHC3y9OX+4q1zZj5QWHStylyF68n1krh6D2HUJcK55b/Q6l8RtpnbTrvETjvYuxhobs+F6O9QK3NwA3o/qRpnRL3a9gG0mHcl3XSdIa34x6Xeb+4EXRJ62lb/2CYoji5xGTUzJotspOYZNq9XfKbuzqWUoorUlCUW7caNIiZg1MxlQBZyFhodw805Y0lbyZx31kOkjG6pq9qcGvXTKRlAlWXkCY0OaTVvS+QMykfq921USvHkcxQ2rSwRGBOGtAva2khFilJSw1PKJu+LeIh1r119rVQyR6r7zidX+Vqe7b1AhpTrQ+TImcoJ/HO2f0jZ/glktsfcvYMRIjCtMBqnhcnGb9xiOdTJOIWOU4ulhZOerYGfKgr0IFE4avZEUEappxSf346f45O6OHow+EkGceClk9JRVZINcPu8+/ko8PPOd2fIM9+TZz76XaYLOToMdAIAeYAEgspJAkPBzaYYSBWtgEg1qeaAWYPLElZjoDEhKs+QGZ1YUEwk/5Ri7Jsx8G3Of99DOHwoIJiRCSrxubDKRGBap/QMgo8CBJ+LyO9QRPqQuIWsU0wuxoBa3wJAk4acnfcaIcjgzXx74KsA6qgFt7R09t4JLWXO+UkB6OONz7mBUhKCeRA2RqZQx6xxqYGeN3xX6eTec98T23mOo9mUAgRTx9XzJvTSTWgUXMWolBdRCeeMsnz1AfzSzdkYrEnKe6NZBAM6S32LjeOkDDDjtfQhAyG+NrD6BDep5IFTYc2zZpCsS0/rsO/fdGeMJ73mtbvZdL3M8BJHcILpvtPDAmubnfjdCS9zkXs7xXhW47T312FVziZ/2wz47qYhbQ+tdwmB9ykSx7MNQfgOeVn6Dsn3YuOnW7zGMimOy7rDyPVqaH69hr5nP2sC88Yc07y3sD4SbM7AHOB5sDygzdFG42RwVI1tDsk2WfDB2Owzl9EAcGc3pya4jYkFFz1PTDiAxFe/KrukjRDKKcesZBYD49oIxm7x2q2RwBOXOYkQQtaAQvHlqed7gdoKgH0w+LEyeANUN9Zk33eH8KoQS+P1Sk14P3bsQjUKiiuUymvHRQrSarf6CH+pCztvghJCqagg8ATWqFvUYsH4qKRr+nNiUQqL2j4HxDcl98cUFVcl+fGhwZI3zGhEYRQPBpy0q39nsNSZlUIRJCB3oflphQfDNn5XxhKxEJgNXGDMhkUX1Y8PjK2dX/Z2NvFBmIfJuxF14tV80mKfh5ryNdfe8JQkF0Jw/+OFbg4QfinnJwn3I/z6wXgvErXR0My5YKl/hNWwjflyVk8nEHEPxl0zOukIFdjOI4XDOGGaf2/b3huaxfa3X/12EdJN0dTXX3+g+UXY+bu+9Pd/YNMKvpw2AAA=&quot;"/>
+    <we:property name="isFiltersActionButtonVisible" value="true"/>
+    <we:property name="isVisualContainerHeaderHidden" value="true"/>
+    <we:property name="reportEmbeddedTime" value="&quot;2025-03-12T21:17:51.015Z&quot;"/>
+    <we:property name="creatorTenantId" value="&quot;53243f2a-db76-48b1-afec-65ba6e03907a&quot;"/>
+    <we:property name="creatorUserId" value="&quot;1003200442225A07&quot;"/>
+    <we:property name="creatorSessionId" value="&quot;83888efa-95ba-40a0-aacb-c5ddea71dd34&quot;"/>
+    <we:property name="artifactViewState" value="&quot;live&quot;"/>
+  </we:properties>
   <we:bindings/>
   <we:snapshot xmlns:r="http://schemas.openxmlformats.org/officeDocument/2006/relationships"/>
 </we:webextension>
